--- a/Movie_RS1.pptx
+++ b/Movie_RS1.pptx
@@ -12,11 +12,11 @@
     <p:sldId id="270" r:id="rId9"/>
     <p:sldId id="271" r:id="rId10"/>
     <p:sldId id="272" r:id="rId11"/>
-    <p:sldId id="265" r:id="rId12"/>
-    <p:sldId id="266" r:id="rId13"/>
-    <p:sldId id="267" r:id="rId14"/>
-    <p:sldId id="269" r:id="rId15"/>
-    <p:sldId id="273" r:id="rId16"/>
+    <p:sldId id="269" r:id="rId12"/>
+    <p:sldId id="273" r:id="rId13"/>
+    <p:sldId id="265" r:id="rId14"/>
+    <p:sldId id="266" r:id="rId15"/>
+    <p:sldId id="267" r:id="rId16"/>
     <p:sldId id="274" r:id="rId17"/>
     <p:sldId id="275" r:id="rId18"/>
     <p:sldId id="276" r:id="rId19"/>
@@ -9402,7 +9402,7 @@
           <a:p>
             <a:fld id="{EA0C0817-A112-4847-8014-A94B7D2A4EA3}" type="datetime1">
               <a:rPr lang="en-US" smtClean="0"/>
-              <a:t>1/5/2022</a:t>
+              <a:t>1/6/2022</a:t>
             </a:fld>
             <a:endParaRPr lang="en-US" dirty="0"/>
           </a:p>
@@ -9664,7 +9664,7 @@
           <a:p>
             <a:fld id="{F6FA2B21-3FCD-4721-B95C-427943F61125}" type="datetime1">
               <a:rPr lang="en-US" smtClean="0"/>
-              <a:t>1/5/2022</a:t>
+              <a:t>1/6/2022</a:t>
             </a:fld>
             <a:endParaRPr lang="en-US" dirty="0"/>
           </a:p>
@@ -9900,7 +9900,7 @@
           <a:p>
             <a:fld id="{F6FA2B21-3FCD-4721-B95C-427943F61125}" type="datetime1">
               <a:rPr lang="en-US" smtClean="0"/>
-              <a:t>1/5/2022</a:t>
+              <a:t>1/6/2022</a:t>
             </a:fld>
             <a:endParaRPr lang="en-US" dirty="0"/>
           </a:p>
@@ -10141,7 +10141,7 @@
           <a:p>
             <a:fld id="{7332B432-ACDA-4023-A761-2BAB76577B62}" type="datetime1">
               <a:rPr lang="en-US" smtClean="0"/>
-              <a:t>1/5/2022</a:t>
+              <a:t>1/6/2022</a:t>
             </a:fld>
             <a:endParaRPr lang="en-US" dirty="0"/>
           </a:p>
@@ -10448,7 +10448,7 @@
           <a:p>
             <a:fld id="{D9C646AA-F36E-4540-911D-FFFC0A0EF24A}" type="datetime1">
               <a:rPr lang="en-US" smtClean="0"/>
-              <a:t>1/5/2022</a:t>
+              <a:t>1/6/2022</a:t>
             </a:fld>
             <a:endParaRPr lang="en-US" dirty="0"/>
           </a:p>
@@ -10750,7 +10750,7 @@
           <a:p>
             <a:fld id="{69186D26-FA5F-4637-B602-B7C2DC34CFD4}" type="datetime1">
               <a:rPr lang="en-US" smtClean="0"/>
-              <a:t>1/5/2022</a:t>
+              <a:t>1/6/2022</a:t>
             </a:fld>
             <a:endParaRPr lang="en-US" dirty="0"/>
           </a:p>
@@ -11172,7 +11172,7 @@
           <a:p>
             <a:fld id="{8A7F15D8-96D1-4781-BC50-CA8A088B2FE4}" type="datetime1">
               <a:rPr lang="en-US" smtClean="0"/>
-              <a:t>1/5/2022</a:t>
+              <a:t>1/6/2022</a:t>
             </a:fld>
             <a:endParaRPr lang="en-US" dirty="0"/>
           </a:p>
@@ -11334,7 +11334,7 @@
           <a:p>
             <a:fld id="{F9A96C99-B8F8-4528-BD05-0E16E943DC09}" type="datetime1">
               <a:rPr lang="en-US" smtClean="0"/>
-              <a:t>1/5/2022</a:t>
+              <a:t>1/6/2022</a:t>
             </a:fld>
             <a:endParaRPr lang="en-US" dirty="0"/>
           </a:p>
@@ -11429,7 +11429,7 @@
           <a:p>
             <a:fld id="{03636942-C211-4B28-8DBD-C953E00AF71B}" type="datetime1">
               <a:rPr lang="en-US" smtClean="0"/>
-              <a:t>1/5/2022</a:t>
+              <a:t>1/6/2022</a:t>
             </a:fld>
             <a:endParaRPr lang="en-US" dirty="0"/>
           </a:p>
@@ -11807,7 +11807,7 @@
           <a:p>
             <a:fld id="{7E8D12A6-918A-48BD-8CB9-CA713993B0EA}" type="datetime1">
               <a:rPr lang="en-US" smtClean="0"/>
-              <a:t>1/5/2022</a:t>
+              <a:t>1/6/2022</a:t>
             </a:fld>
             <a:endParaRPr lang="en-US" dirty="0"/>
           </a:p>
@@ -12097,7 +12097,7 @@
             <a:fld id="{E778CE86-875F-4587-BCF6-FA054AFC0D53}" type="datetime1">
               <a:rPr lang="en-US" smtClean="0"/>
               <a:pPr/>
-              <a:t>1/5/2022</a:t>
+              <a:t>1/6/2022</a:t>
             </a:fld>
             <a:endParaRPr lang="en-US" dirty="0"/>
           </a:p>
@@ -12309,7 +12309,7 @@
           <a:p>
             <a:fld id="{F6FA2B21-3FCD-4721-B95C-427943F61125}" type="datetime1">
               <a:rPr lang="en-US" smtClean="0"/>
-              <a:t>1/5/2022</a:t>
+              <a:t>1/6/2022</a:t>
             </a:fld>
             <a:endParaRPr lang="en-US" dirty="0"/>
           </a:p>
@@ -13009,6 +13009,296 @@
 <file path=ppt/slides/slide10.xml><?xml version="1.0" encoding="utf-8"?>
 <p:sld xmlns:a="http://schemas.openxmlformats.org/drawingml/2006/main" xmlns:r="http://schemas.openxmlformats.org/officeDocument/2006/relationships" xmlns:p="http://schemas.openxmlformats.org/presentationml/2006/main">
   <p:cSld>
+    <p:spTree>
+      <p:nvGrpSpPr>
+        <p:cNvPr id="1" name=""/>
+        <p:cNvGrpSpPr/>
+        <p:nvPr/>
+      </p:nvGrpSpPr>
+      <p:grpSpPr>
+        <a:xfrm>
+          <a:off x="0" y="0"/>
+          <a:ext cx="0" cy="0"/>
+          <a:chOff x="0" y="0"/>
+          <a:chExt cx="0" cy="0"/>
+        </a:xfrm>
+      </p:grpSpPr>
+      <p:sp>
+        <p:nvSpPr>
+          <p:cNvPr id="2" name="Title 1">
+            <a:extLst>
+              <a:ext uri="{FF2B5EF4-FFF2-40B4-BE49-F238E27FC236}">
+                <a16:creationId xmlns:a16="http://schemas.microsoft.com/office/drawing/2014/main" id="{BBD28E1B-B302-416F-B72A-488EF37D3916}"/>
+              </a:ext>
+            </a:extLst>
+          </p:cNvPr>
+          <p:cNvSpPr>
+            <a:spLocks noGrp="1"/>
+          </p:cNvSpPr>
+          <p:nvPr>
+            <p:ph type="title"/>
+          </p:nvPr>
+        </p:nvSpPr>
+        <p:spPr/>
+        <p:txBody>
+          <a:bodyPr/>
+          <a:lstStyle/>
+          <a:p>
+            <a:r>
+              <a:rPr lang="en-US" b="1" i="0" dirty="0">
+                <a:effectLst/>
+              </a:rPr>
+              <a:t> </a:t>
+            </a:r>
+            <a:r>
+              <a:rPr lang="en-US" i="0" dirty="0">
+                <a:effectLst/>
+              </a:rPr>
+              <a:t>COLD START PROBLEM</a:t>
+            </a:r>
+            <a:br>
+              <a:rPr lang="en-US" b="0" i="0" dirty="0">
+                <a:solidFill>
+                  <a:srgbClr val="292929"/>
+                </a:solidFill>
+                <a:effectLst/>
+                <a:latin typeface="sohne"/>
+              </a:rPr>
+            </a:br>
+            <a:endParaRPr lang="en-US" dirty="0"/>
+          </a:p>
+        </p:txBody>
+      </p:sp>
+      <p:sp>
+        <p:nvSpPr>
+          <p:cNvPr id="3" name="Content Placeholder 2">
+            <a:extLst>
+              <a:ext uri="{FF2B5EF4-FFF2-40B4-BE49-F238E27FC236}">
+                <a16:creationId xmlns:a16="http://schemas.microsoft.com/office/drawing/2014/main" id="{3529DE2B-79BE-4135-A411-BB760D2406FB}"/>
+              </a:ext>
+            </a:extLst>
+          </p:cNvPr>
+          <p:cNvSpPr>
+            <a:spLocks noGrp="1"/>
+          </p:cNvSpPr>
+          <p:nvPr>
+            <p:ph idx="1"/>
+          </p:nvPr>
+        </p:nvSpPr>
+        <p:spPr/>
+        <p:txBody>
+          <a:bodyPr/>
+          <a:lstStyle/>
+          <a:p>
+            <a:r>
+              <a:rPr lang="en-US" sz="2000" b="0" i="0" dirty="0">
+                <a:solidFill>
+                  <a:srgbClr val="292929"/>
+                </a:solidFill>
+                <a:effectLst/>
+                <a:cs typeface="Arial" panose="020B0604020202020204" pitchFamily="34" charset="0"/>
+              </a:rPr>
+              <a:t>Cold start problem arises </a:t>
+            </a:r>
+            <a:r>
+              <a:rPr lang="en-US" sz="2000" b="0" i="0" dirty="0">
+                <a:solidFill>
+                  <a:srgbClr val="000000"/>
+                </a:solidFill>
+                <a:effectLst/>
+                <a:cs typeface="Arial" panose="020B0604020202020204" pitchFamily="34" charset="0"/>
+              </a:rPr>
+              <a:t>at the time of registration of new user or adding up new resource or item in the system.</a:t>
+            </a:r>
+          </a:p>
+          <a:p>
+            <a:r>
+              <a:rPr lang="en-US" sz="2000" dirty="0">
+                <a:solidFill>
+                  <a:srgbClr val="000000"/>
+                </a:solidFill>
+                <a:cs typeface="Arial" panose="020B0604020202020204" pitchFamily="34" charset="0"/>
+              </a:rPr>
+              <a:t>T</a:t>
+            </a:r>
+            <a:r>
+              <a:rPr lang="en-US" sz="2000" b="0" i="0" dirty="0">
+                <a:solidFill>
+                  <a:srgbClr val="000000"/>
+                </a:solidFill>
+                <a:effectLst/>
+                <a:cs typeface="Arial" panose="020B0604020202020204" pitchFamily="34" charset="0"/>
+              </a:rPr>
+              <a:t>here would be no information about user’s interest or his rating for any particular item in the system, and recommending appropriate item at that time to the new user is very challenging.</a:t>
+            </a:r>
+          </a:p>
+          <a:p>
+            <a:endParaRPr lang="en-US" dirty="0"/>
+          </a:p>
+          <a:p>
+            <a:endParaRPr lang="en-US" dirty="0"/>
+          </a:p>
+        </p:txBody>
+      </p:sp>
+    </p:spTree>
+    <p:extLst>
+      <p:ext uri="{BB962C8B-B14F-4D97-AF65-F5344CB8AC3E}">
+        <p14:creationId xmlns:p14="http://schemas.microsoft.com/office/powerpoint/2010/main" val="150825481"/>
+      </p:ext>
+    </p:extLst>
+  </p:cSld>
+  <p:clrMapOvr>
+    <a:masterClrMapping/>
+  </p:clrMapOvr>
+</p:sld>
+</file>
+
+<file path=ppt/slides/slide11.xml><?xml version="1.0" encoding="utf-8"?>
+<p:sld xmlns:a="http://schemas.openxmlformats.org/drawingml/2006/main" xmlns:r="http://schemas.openxmlformats.org/officeDocument/2006/relationships" xmlns:p="http://schemas.openxmlformats.org/presentationml/2006/main">
+  <p:cSld>
+    <p:spTree>
+      <p:nvGrpSpPr>
+        <p:cNvPr id="1" name=""/>
+        <p:cNvGrpSpPr/>
+        <p:nvPr/>
+      </p:nvGrpSpPr>
+      <p:grpSpPr>
+        <a:xfrm>
+          <a:off x="0" y="0"/>
+          <a:ext cx="0" cy="0"/>
+          <a:chOff x="0" y="0"/>
+          <a:chExt cx="0" cy="0"/>
+        </a:xfrm>
+      </p:grpSpPr>
+      <p:sp>
+        <p:nvSpPr>
+          <p:cNvPr id="2" name="Title 1">
+            <a:extLst>
+              <a:ext uri="{FF2B5EF4-FFF2-40B4-BE49-F238E27FC236}">
+                <a16:creationId xmlns:a16="http://schemas.microsoft.com/office/drawing/2014/main" id="{833FE25B-50B9-4C64-8685-D9D5CD928579}"/>
+              </a:ext>
+            </a:extLst>
+          </p:cNvPr>
+          <p:cNvSpPr>
+            <a:spLocks noGrp="1"/>
+          </p:cNvSpPr>
+          <p:nvPr>
+            <p:ph type="title"/>
+          </p:nvPr>
+        </p:nvSpPr>
+        <p:spPr>
+          <a:xfrm>
+            <a:off x="581192" y="877824"/>
+            <a:ext cx="11029616" cy="545524"/>
+          </a:xfrm>
+        </p:spPr>
+        <p:txBody>
+          <a:bodyPr/>
+          <a:lstStyle/>
+          <a:p>
+            <a:pPr algn="ctr"/>
+            <a:r>
+              <a:rPr lang="en-US" dirty="0"/>
+              <a:t>Types of cold start problem</a:t>
+            </a:r>
+          </a:p>
+        </p:txBody>
+      </p:sp>
+      <p:sp>
+        <p:nvSpPr>
+          <p:cNvPr id="3" name="Content Placeholder 2">
+            <a:extLst>
+              <a:ext uri="{FF2B5EF4-FFF2-40B4-BE49-F238E27FC236}">
+                <a16:creationId xmlns:a16="http://schemas.microsoft.com/office/drawing/2014/main" id="{A409F203-CDB1-48CD-B3DF-887636D0F60E}"/>
+              </a:ext>
+            </a:extLst>
+          </p:cNvPr>
+          <p:cNvSpPr>
+            <a:spLocks noGrp="1"/>
+          </p:cNvSpPr>
+          <p:nvPr>
+            <p:ph idx="1"/>
+          </p:nvPr>
+        </p:nvSpPr>
+        <p:spPr/>
+        <p:txBody>
+          <a:bodyPr/>
+          <a:lstStyle/>
+          <a:p>
+            <a:r>
+              <a:rPr lang="en-US" sz="2400" i="0" dirty="0">
+                <a:solidFill>
+                  <a:srgbClr val="292929"/>
+                </a:solidFill>
+                <a:effectLst/>
+                <a:cs typeface="Arial" panose="020B0604020202020204" pitchFamily="34" charset="0"/>
+              </a:rPr>
+              <a:t>New user </a:t>
+            </a:r>
+            <a:r>
+              <a:rPr lang="en-US" sz="2400" b="0" i="0" dirty="0">
+                <a:solidFill>
+                  <a:srgbClr val="292929"/>
+                </a:solidFill>
+                <a:effectLst/>
+                <a:cs typeface="Arial" panose="020B0604020202020204" pitchFamily="34" charset="0"/>
+              </a:rPr>
+              <a:t>(what to recommend?)</a:t>
+            </a:r>
+          </a:p>
+          <a:p>
+            <a:r>
+              <a:rPr lang="en-US" sz="2400" i="0" dirty="0">
+                <a:solidFill>
+                  <a:srgbClr val="292929"/>
+                </a:solidFill>
+                <a:effectLst/>
+                <a:cs typeface="Arial" panose="020B0604020202020204" pitchFamily="34" charset="0"/>
+              </a:rPr>
+              <a:t>New items </a:t>
+            </a:r>
+            <a:r>
+              <a:rPr lang="en-US" sz="2400" b="0" i="0" dirty="0">
+                <a:solidFill>
+                  <a:srgbClr val="292929"/>
+                </a:solidFill>
+                <a:effectLst/>
+                <a:cs typeface="Arial" panose="020B0604020202020204" pitchFamily="34" charset="0"/>
+              </a:rPr>
+              <a:t>(Whom to recommend?)</a:t>
+            </a:r>
+          </a:p>
+          <a:p>
+            <a:endParaRPr lang="en-US" sz="2400" b="0" i="0" dirty="0">
+              <a:solidFill>
+                <a:srgbClr val="292929"/>
+              </a:solidFill>
+              <a:effectLst/>
+              <a:latin typeface="Arial" panose="020B0604020202020204" pitchFamily="34" charset="0"/>
+              <a:cs typeface="Arial" panose="020B0604020202020204" pitchFamily="34" charset="0"/>
+            </a:endParaRPr>
+          </a:p>
+          <a:p>
+            <a:endParaRPr lang="en-US" dirty="0"/>
+          </a:p>
+        </p:txBody>
+      </p:sp>
+    </p:spTree>
+    <p:extLst>
+      <p:ext uri="{BB962C8B-B14F-4D97-AF65-F5344CB8AC3E}">
+        <p14:creationId xmlns:p14="http://schemas.microsoft.com/office/powerpoint/2010/main" val="1653625500"/>
+      </p:ext>
+    </p:extLst>
+  </p:cSld>
+  <p:clrMapOvr>
+    <a:masterClrMapping/>
+  </p:clrMapOvr>
+</p:sld>
+</file>
+
+<file path=ppt/slides/slide12.xml><?xml version="1.0" encoding="utf-8"?>
+<p:sld xmlns:a="http://schemas.openxmlformats.org/drawingml/2006/main" xmlns:r="http://schemas.openxmlformats.org/officeDocument/2006/relationships" xmlns:p="http://schemas.openxmlformats.org/presentationml/2006/main">
+  <p:cSld>
     <p:bg>
       <p:bgPr>
         <a:solidFill>
@@ -13297,550 +13587,6 @@
     <p:extLst>
       <p:ext uri="{BB962C8B-B14F-4D97-AF65-F5344CB8AC3E}">
         <p14:creationId xmlns:p14="http://schemas.microsoft.com/office/powerpoint/2010/main" val="1515619071"/>
-      </p:ext>
-    </p:extLst>
-  </p:cSld>
-  <p:clrMapOvr>
-    <a:masterClrMapping/>
-  </p:clrMapOvr>
-</p:sld>
-</file>
-
-<file path=ppt/slides/slide11.xml><?xml version="1.0" encoding="utf-8"?>
-<p:sld xmlns:a="http://schemas.openxmlformats.org/drawingml/2006/main" xmlns:r="http://schemas.openxmlformats.org/officeDocument/2006/relationships" xmlns:p="http://schemas.openxmlformats.org/presentationml/2006/main">
-  <p:cSld>
-    <p:spTree>
-      <p:nvGrpSpPr>
-        <p:cNvPr id="1" name=""/>
-        <p:cNvGrpSpPr/>
-        <p:nvPr/>
-      </p:nvGrpSpPr>
-      <p:grpSpPr>
-        <a:xfrm>
-          <a:off x="0" y="0"/>
-          <a:ext cx="0" cy="0"/>
-          <a:chOff x="0" y="0"/>
-          <a:chExt cx="0" cy="0"/>
-        </a:xfrm>
-      </p:grpSpPr>
-      <p:sp>
-        <p:nvSpPr>
-          <p:cNvPr id="2" name="Title 1">
-            <a:extLst>
-              <a:ext uri="{FF2B5EF4-FFF2-40B4-BE49-F238E27FC236}">
-                <a16:creationId xmlns:a16="http://schemas.microsoft.com/office/drawing/2014/main" id="{63E061F6-B5EA-4F50-8CBF-A15FDC85F066}"/>
-              </a:ext>
-            </a:extLst>
-          </p:cNvPr>
-          <p:cNvSpPr>
-            <a:spLocks noGrp="1"/>
-          </p:cNvSpPr>
-          <p:nvPr>
-            <p:ph type="title"/>
-          </p:nvPr>
-        </p:nvSpPr>
-        <p:spPr/>
-        <p:txBody>
-          <a:bodyPr/>
-          <a:lstStyle/>
-          <a:p>
-            <a:r>
-              <a:rPr lang="en-US" dirty="0"/>
-              <a:t>Advantage and disadvantage of recommendation system</a:t>
-            </a:r>
-          </a:p>
-        </p:txBody>
-      </p:sp>
-      <p:sp>
-        <p:nvSpPr>
-          <p:cNvPr id="3" name="Content Placeholder 2">
-            <a:extLst>
-              <a:ext uri="{FF2B5EF4-FFF2-40B4-BE49-F238E27FC236}">
-                <a16:creationId xmlns:a16="http://schemas.microsoft.com/office/drawing/2014/main" id="{FE9CEA21-1B95-49A9-BE76-EB4ECE53C140}"/>
-              </a:ext>
-            </a:extLst>
-          </p:cNvPr>
-          <p:cNvSpPr>
-            <a:spLocks noGrp="1"/>
-          </p:cNvSpPr>
-          <p:nvPr>
-            <p:ph sz="half" idx="1"/>
-          </p:nvPr>
-        </p:nvSpPr>
-        <p:spPr>
-          <a:xfrm>
-            <a:off x="581194" y="3088462"/>
-            <a:ext cx="5422390" cy="3633047"/>
-          </a:xfrm>
-        </p:spPr>
-        <p:txBody>
-          <a:bodyPr>
-            <a:normAutofit fontScale="92500" lnSpcReduction="20000"/>
-          </a:bodyPr>
-          <a:lstStyle/>
-          <a:p>
-            <a:pPr marL="0" indent="0" algn="l">
-              <a:buNone/>
-            </a:pPr>
-            <a:r>
-              <a:rPr lang="en-US" sz="2400" b="1" dirty="0">
-                <a:solidFill>
-                  <a:schemeClr val="tx1"/>
-                </a:solidFill>
-              </a:rPr>
-              <a:t>Advantage for </a:t>
-            </a:r>
-            <a:r>
-              <a:rPr lang="en-US" sz="2400" b="1" i="0" dirty="0">
-                <a:solidFill>
-                  <a:srgbClr val="000000"/>
-                </a:solidFill>
-                <a:effectLst/>
-              </a:rPr>
-              <a:t>Collaborative </a:t>
-            </a:r>
-          </a:p>
-          <a:p>
-            <a:pPr marL="0" indent="0" algn="l">
-              <a:buNone/>
-            </a:pPr>
-            <a:r>
-              <a:rPr lang="en-US" sz="2400" b="1" i="0" dirty="0">
-                <a:solidFill>
-                  <a:srgbClr val="000000"/>
-                </a:solidFill>
-                <a:effectLst/>
-              </a:rPr>
-              <a:t>recommendation </a:t>
-            </a:r>
-          </a:p>
-          <a:p>
-            <a:r>
-              <a:rPr lang="en-US" i="0" dirty="0">
-                <a:solidFill>
-                  <a:srgbClr val="202124"/>
-                </a:solidFill>
-                <a:effectLst/>
-              </a:rPr>
-              <a:t>No domain knowledge necessary</a:t>
-            </a:r>
-          </a:p>
-          <a:p>
-            <a:pPr algn="l"/>
-            <a:r>
-              <a:rPr lang="en-US" b="0" i="0" dirty="0">
-                <a:solidFill>
-                  <a:srgbClr val="000000"/>
-                </a:solidFill>
-                <a:effectLst/>
-              </a:rPr>
-              <a:t>The system matches similar items between users. </a:t>
-            </a:r>
-          </a:p>
-          <a:p>
-            <a:pPr algn="l"/>
-            <a:r>
-              <a:rPr lang="en-US" i="0" dirty="0">
-                <a:solidFill>
-                  <a:srgbClr val="202124"/>
-                </a:solidFill>
-                <a:effectLst/>
-              </a:rPr>
-              <a:t>Great starting point</a:t>
-            </a:r>
-          </a:p>
-          <a:p>
-            <a:pPr marL="0" indent="0" algn="l">
-              <a:buNone/>
-            </a:pPr>
-            <a:r>
-              <a:rPr lang="en-US" sz="2400" b="1" dirty="0">
-                <a:solidFill>
-                  <a:schemeClr val="tx1"/>
-                </a:solidFill>
-              </a:rPr>
-              <a:t>Advantage for Content Based</a:t>
-            </a:r>
-          </a:p>
-          <a:p>
-            <a:pPr algn="l"/>
-            <a:r>
-              <a:rPr lang="en-US" b="0" i="0" dirty="0">
-                <a:solidFill>
-                  <a:srgbClr val="000000"/>
-                </a:solidFill>
-                <a:effectLst/>
-              </a:rPr>
-              <a:t>The system didn’t use the user's data to recommend items. </a:t>
-            </a:r>
-          </a:p>
-          <a:p>
-            <a:pPr algn="l"/>
-            <a:r>
-              <a:rPr lang="en-US" b="0" i="0" dirty="0">
-                <a:solidFill>
-                  <a:srgbClr val="000000"/>
-                </a:solidFill>
-                <a:effectLst/>
-              </a:rPr>
-              <a:t>The system has the ability to recommend new items to the users based on similarity between items specifications.. </a:t>
-            </a:r>
-          </a:p>
-          <a:p>
-            <a:pPr algn="l"/>
-            <a:endParaRPr lang="en-US" b="0" i="0" dirty="0">
-              <a:solidFill>
-                <a:srgbClr val="000000"/>
-              </a:solidFill>
-              <a:effectLst/>
-              <a:latin typeface="ff1"/>
-            </a:endParaRPr>
-          </a:p>
-          <a:p>
-            <a:endParaRPr lang="en-US" i="0" dirty="0">
-              <a:solidFill>
-                <a:srgbClr val="000000"/>
-              </a:solidFill>
-              <a:effectLst/>
-            </a:endParaRPr>
-          </a:p>
-          <a:p>
-            <a:endParaRPr lang="en-US" dirty="0"/>
-          </a:p>
-          <a:p>
-            <a:endParaRPr lang="en-US" sz="2400" dirty="0"/>
-          </a:p>
-          <a:p>
-            <a:pPr marL="0" indent="0">
-              <a:buNone/>
-            </a:pPr>
-            <a:endParaRPr lang="en-US" dirty="0"/>
-          </a:p>
-        </p:txBody>
-      </p:sp>
-      <p:sp>
-        <p:nvSpPr>
-          <p:cNvPr id="4" name="Content Placeholder 3">
-            <a:extLst>
-              <a:ext uri="{FF2B5EF4-FFF2-40B4-BE49-F238E27FC236}">
-                <a16:creationId xmlns:a16="http://schemas.microsoft.com/office/drawing/2014/main" id="{AFA84FA7-9FEF-4B66-BBB6-815F34EEDCF1}"/>
-              </a:ext>
-            </a:extLst>
-          </p:cNvPr>
-          <p:cNvSpPr>
-            <a:spLocks noGrp="1"/>
-          </p:cNvSpPr>
-          <p:nvPr>
-            <p:ph sz="half" idx="2"/>
-          </p:nvPr>
-        </p:nvSpPr>
-        <p:spPr/>
-        <p:txBody>
-          <a:bodyPr>
-            <a:normAutofit fontScale="92500" lnSpcReduction="20000"/>
-          </a:bodyPr>
-          <a:lstStyle/>
-          <a:p>
-            <a:pPr marL="0" indent="0" algn="l">
-              <a:buNone/>
-            </a:pPr>
-            <a:r>
-              <a:rPr lang="en-US" sz="2400" b="1" dirty="0">
-                <a:solidFill>
-                  <a:schemeClr val="tx1"/>
-                </a:solidFill>
-              </a:rPr>
-              <a:t>Disadvantage for </a:t>
-            </a:r>
-            <a:r>
-              <a:rPr lang="en-US" sz="2400" b="1" i="0" dirty="0">
-                <a:solidFill>
-                  <a:srgbClr val="000000"/>
-                </a:solidFill>
-                <a:effectLst/>
-              </a:rPr>
-              <a:t>Collaborative </a:t>
-            </a:r>
-          </a:p>
-          <a:p>
-            <a:pPr marL="0" indent="0" algn="l">
-              <a:buNone/>
-            </a:pPr>
-            <a:r>
-              <a:rPr lang="en-US" sz="2400" b="1" i="0" dirty="0">
-                <a:solidFill>
-                  <a:srgbClr val="000000"/>
-                </a:solidFill>
-                <a:effectLst/>
-              </a:rPr>
-              <a:t>recommendation </a:t>
-            </a:r>
-          </a:p>
-          <a:p>
-            <a:r>
-              <a:rPr lang="en-US" i="0" dirty="0">
-                <a:solidFill>
-                  <a:srgbClr val="202124"/>
-                </a:solidFill>
-                <a:effectLst/>
-              </a:rPr>
-              <a:t>Cannot handle fresh items</a:t>
-            </a:r>
-          </a:p>
-          <a:p>
-            <a:pPr algn="l"/>
-            <a:r>
-              <a:rPr lang="en-US" b="0" i="0" dirty="0">
-                <a:solidFill>
-                  <a:srgbClr val="000000"/>
-                </a:solidFill>
-                <a:effectLst/>
-              </a:rPr>
-              <a:t>The quality of the system depends on the highest rating item list. </a:t>
-            </a:r>
-          </a:p>
-          <a:p>
-            <a:pPr marL="0" indent="0">
-              <a:buNone/>
-            </a:pPr>
-            <a:r>
-              <a:rPr lang="en-US" sz="2400" b="1" dirty="0">
-                <a:solidFill>
-                  <a:schemeClr val="tx1"/>
-                </a:solidFill>
-              </a:rPr>
-              <a:t>Disadvantage for Content Based</a:t>
-            </a:r>
-          </a:p>
-          <a:p>
-            <a:pPr algn="l"/>
-            <a:r>
-              <a:rPr lang="en-US" b="0" i="0" dirty="0">
-                <a:solidFill>
-                  <a:srgbClr val="000000"/>
-                </a:solidFill>
-                <a:effectLst/>
-              </a:rPr>
-              <a:t>We need for analysis and detect all item features to create a recommendation list </a:t>
-            </a:r>
-          </a:p>
-          <a:p>
-            <a:pPr marL="0" indent="0" algn="l">
-              <a:buNone/>
-            </a:pPr>
-            <a:endParaRPr lang="en-US" b="0" i="0" dirty="0">
-              <a:solidFill>
-                <a:srgbClr val="000000"/>
-              </a:solidFill>
-              <a:effectLst/>
-            </a:endParaRPr>
-          </a:p>
-          <a:p>
-            <a:pPr marL="0" indent="0">
-              <a:buNone/>
-            </a:pPr>
-            <a:endParaRPr lang="en-US" sz="1800" dirty="0"/>
-          </a:p>
-          <a:p>
-            <a:endParaRPr lang="en-US" dirty="0"/>
-          </a:p>
-        </p:txBody>
-      </p:sp>
-    </p:spTree>
-    <p:extLst>
-      <p:ext uri="{BB962C8B-B14F-4D97-AF65-F5344CB8AC3E}">
-        <p14:creationId xmlns:p14="http://schemas.microsoft.com/office/powerpoint/2010/main" val="3580546117"/>
-      </p:ext>
-    </p:extLst>
-  </p:cSld>
-  <p:clrMapOvr>
-    <a:masterClrMapping/>
-  </p:clrMapOvr>
-</p:sld>
-</file>
-
-<file path=ppt/slides/slide12.xml><?xml version="1.0" encoding="utf-8"?>
-<p:sld xmlns:a="http://schemas.openxmlformats.org/drawingml/2006/main" xmlns:r="http://schemas.openxmlformats.org/officeDocument/2006/relationships" xmlns:p="http://schemas.openxmlformats.org/presentationml/2006/main">
-  <p:cSld>
-    <p:spTree>
-      <p:nvGrpSpPr>
-        <p:cNvPr id="1" name=""/>
-        <p:cNvGrpSpPr/>
-        <p:nvPr/>
-      </p:nvGrpSpPr>
-      <p:grpSpPr>
-        <a:xfrm>
-          <a:off x="0" y="0"/>
-          <a:ext cx="0" cy="0"/>
-          <a:chOff x="0" y="0"/>
-          <a:chExt cx="0" cy="0"/>
-        </a:xfrm>
-      </p:grpSpPr>
-      <p:sp>
-        <p:nvSpPr>
-          <p:cNvPr id="2" name="Title 1">
-            <a:extLst>
-              <a:ext uri="{FF2B5EF4-FFF2-40B4-BE49-F238E27FC236}">
-                <a16:creationId xmlns:a16="http://schemas.microsoft.com/office/drawing/2014/main" id="{7D57D27B-536E-4E71-905E-E858AE9CF2DC}"/>
-              </a:ext>
-            </a:extLst>
-          </p:cNvPr>
-          <p:cNvSpPr>
-            <a:spLocks noGrp="1"/>
-          </p:cNvSpPr>
-          <p:nvPr>
-            <p:ph type="title"/>
-          </p:nvPr>
-        </p:nvSpPr>
-        <p:spPr>
-          <a:xfrm>
-            <a:off x="581194" y="854262"/>
-            <a:ext cx="11029616" cy="620710"/>
-          </a:xfrm>
-        </p:spPr>
-        <p:txBody>
-          <a:bodyPr/>
-          <a:lstStyle/>
-          <a:p>
-            <a:r>
-              <a:rPr lang="en-US" dirty="0"/>
-              <a:t>Advantage and disadvantage of recommendation system</a:t>
-            </a:r>
-          </a:p>
-        </p:txBody>
-      </p:sp>
-      <p:sp>
-        <p:nvSpPr>
-          <p:cNvPr id="3" name="Text Placeholder 2">
-            <a:extLst>
-              <a:ext uri="{FF2B5EF4-FFF2-40B4-BE49-F238E27FC236}">
-                <a16:creationId xmlns:a16="http://schemas.microsoft.com/office/drawing/2014/main" id="{A50EFBF8-FDEB-42D9-8F25-865E24F481A9}"/>
-              </a:ext>
-            </a:extLst>
-          </p:cNvPr>
-          <p:cNvSpPr>
-            <a:spLocks noGrp="1"/>
-          </p:cNvSpPr>
-          <p:nvPr>
-            <p:ph type="body" idx="1"/>
-          </p:nvPr>
-        </p:nvSpPr>
-        <p:spPr/>
-        <p:txBody>
-          <a:bodyPr/>
-          <a:lstStyle/>
-          <a:p>
-            <a:r>
-              <a:rPr lang="en-US" dirty="0"/>
-              <a:t>Advantage of Popularity based RS</a:t>
-            </a:r>
-          </a:p>
-        </p:txBody>
-      </p:sp>
-      <p:sp>
-        <p:nvSpPr>
-          <p:cNvPr id="4" name="Content Placeholder 3">
-            <a:extLst>
-              <a:ext uri="{FF2B5EF4-FFF2-40B4-BE49-F238E27FC236}">
-                <a16:creationId xmlns:a16="http://schemas.microsoft.com/office/drawing/2014/main" id="{66E045BA-793C-4A60-9F48-6F6A348B8D92}"/>
-              </a:ext>
-            </a:extLst>
-          </p:cNvPr>
-          <p:cNvSpPr>
-            <a:spLocks noGrp="1"/>
-          </p:cNvSpPr>
-          <p:nvPr>
-            <p:ph sz="half" idx="2"/>
-          </p:nvPr>
-        </p:nvSpPr>
-        <p:spPr/>
-        <p:txBody>
-          <a:bodyPr/>
-          <a:lstStyle/>
-          <a:p>
-            <a:r>
-              <a:rPr lang="en-US" sz="2000" b="0" i="0" dirty="0">
-                <a:solidFill>
-                  <a:srgbClr val="000000"/>
-                </a:solidFill>
-                <a:effectLst/>
-              </a:rPr>
-              <a:t>It is not based on user-item ratings, it gives recommendation before user rated any item.</a:t>
-            </a:r>
-          </a:p>
-          <a:p>
-            <a:endParaRPr lang="en-US" dirty="0"/>
-          </a:p>
-        </p:txBody>
-      </p:sp>
-      <p:sp>
-        <p:nvSpPr>
-          <p:cNvPr id="5" name="Text Placeholder 4">
-            <a:extLst>
-              <a:ext uri="{FF2B5EF4-FFF2-40B4-BE49-F238E27FC236}">
-                <a16:creationId xmlns:a16="http://schemas.microsoft.com/office/drawing/2014/main" id="{352FC4ED-AC6A-4593-8B5B-F08B238C1657}"/>
-              </a:ext>
-            </a:extLst>
-          </p:cNvPr>
-          <p:cNvSpPr>
-            <a:spLocks noGrp="1"/>
-          </p:cNvSpPr>
-          <p:nvPr>
-            <p:ph type="body" sz="quarter" idx="3"/>
-          </p:nvPr>
-        </p:nvSpPr>
-        <p:spPr/>
-        <p:txBody>
-          <a:bodyPr/>
-          <a:lstStyle/>
-          <a:p>
-            <a:r>
-              <a:rPr lang="en-US" dirty="0"/>
-              <a:t>Disadvantage of Popularity based RS</a:t>
-            </a:r>
-          </a:p>
-        </p:txBody>
-      </p:sp>
-      <p:sp>
-        <p:nvSpPr>
-          <p:cNvPr id="6" name="Content Placeholder 5">
-            <a:extLst>
-              <a:ext uri="{FF2B5EF4-FFF2-40B4-BE49-F238E27FC236}">
-                <a16:creationId xmlns:a16="http://schemas.microsoft.com/office/drawing/2014/main" id="{25138140-0844-494B-9874-7AA7068EAA08}"/>
-              </a:ext>
-            </a:extLst>
-          </p:cNvPr>
-          <p:cNvSpPr>
-            <a:spLocks noGrp="1"/>
-          </p:cNvSpPr>
-          <p:nvPr>
-            <p:ph sz="quarter" idx="4"/>
-          </p:nvPr>
-        </p:nvSpPr>
-        <p:spPr/>
-        <p:txBody>
-          <a:bodyPr/>
-          <a:lstStyle/>
-          <a:p>
-            <a:r>
-              <a:rPr lang="en-US" sz="2000" b="0" i="0" dirty="0">
-                <a:solidFill>
-                  <a:srgbClr val="000000"/>
-                </a:solidFill>
-                <a:effectLst/>
-              </a:rPr>
-              <a:t>Gathering of popularity data leads to privacy issues. </a:t>
-            </a:r>
-          </a:p>
-          <a:p>
-            <a:endParaRPr lang="en-US" dirty="0"/>
-          </a:p>
-        </p:txBody>
-      </p:sp>
-    </p:spTree>
-    <p:extLst>
-      <p:ext uri="{BB962C8B-B14F-4D97-AF65-F5344CB8AC3E}">
-        <p14:creationId xmlns:p14="http://schemas.microsoft.com/office/powerpoint/2010/main" val="2485530932"/>
       </p:ext>
     </p:extLst>
   </p:cSld>
@@ -16936,7 +16682,7 @@
           <p:cNvPr id="2" name="Title 1">
             <a:extLst>
               <a:ext uri="{FF2B5EF4-FFF2-40B4-BE49-F238E27FC236}">
-                <a16:creationId xmlns:a16="http://schemas.microsoft.com/office/drawing/2014/main" id="{BBD28E1B-B302-416F-B72A-488EF37D3916}"/>
+                <a16:creationId xmlns:a16="http://schemas.microsoft.com/office/drawing/2014/main" id="{63E061F6-B5EA-4F50-8CBF-A15FDC85F066}"/>
               </a:ext>
             </a:extLst>
           </p:cNvPr>
@@ -16947,33 +16693,22 @@
             <p:ph type="title"/>
           </p:nvPr>
         </p:nvSpPr>
-        <p:spPr/>
+        <p:spPr>
+          <a:xfrm>
+            <a:off x="581193" y="1234440"/>
+            <a:ext cx="11029616" cy="483550"/>
+          </a:xfrm>
+        </p:spPr>
         <p:txBody>
-          <a:bodyPr/>
+          <a:bodyPr>
+            <a:normAutofit fontScale="90000"/>
+          </a:bodyPr>
           <a:lstStyle/>
           <a:p>
             <a:r>
-              <a:rPr lang="en-US" b="1" i="0" dirty="0">
-                <a:effectLst/>
-              </a:rPr>
-              <a:t> </a:t>
+              <a:rPr lang="en-US" dirty="0"/>
+              <a:t>Advantage and disadvantage of recommendation system</a:t>
             </a:r>
-            <a:r>
-              <a:rPr lang="en-US" i="0" dirty="0">
-                <a:effectLst/>
-              </a:rPr>
-              <a:t>COLD START PROBLEM</a:t>
-            </a:r>
-            <a:br>
-              <a:rPr lang="en-US" b="0" i="0" dirty="0">
-                <a:solidFill>
-                  <a:srgbClr val="292929"/>
-                </a:solidFill>
-                <a:effectLst/>
-                <a:latin typeface="sohne"/>
-              </a:rPr>
-            </a:br>
-            <a:endParaRPr lang="en-US" dirty="0"/>
           </a:p>
         </p:txBody>
       </p:sp>
@@ -16982,7 +16717,7 @@
           <p:cNvPr id="3" name="Content Placeholder 2">
             <a:extLst>
               <a:ext uri="{FF2B5EF4-FFF2-40B4-BE49-F238E27FC236}">
-                <a16:creationId xmlns:a16="http://schemas.microsoft.com/office/drawing/2014/main" id="{3529DE2B-79BE-4135-A411-BB760D2406FB}"/>
+                <a16:creationId xmlns:a16="http://schemas.microsoft.com/office/drawing/2014/main" id="{FE9CEA21-1B95-49A9-BE76-EB4ECE53C140}"/>
               </a:ext>
             </a:extLst>
           </p:cNvPr>
@@ -16990,58 +16725,282 @@
             <a:spLocks noGrp="1"/>
           </p:cNvSpPr>
           <p:nvPr>
-            <p:ph idx="1"/>
+            <p:ph sz="half" idx="1"/>
+          </p:nvPr>
+        </p:nvSpPr>
+        <p:spPr>
+          <a:xfrm>
+            <a:off x="581194" y="3088462"/>
+            <a:ext cx="5422390" cy="3633047"/>
+          </a:xfrm>
+        </p:spPr>
+        <p:txBody>
+          <a:bodyPr>
+            <a:normAutofit fontScale="92500" lnSpcReduction="20000"/>
+          </a:bodyPr>
+          <a:lstStyle/>
+          <a:p>
+            <a:pPr marL="0" indent="0" algn="l">
+              <a:buNone/>
+            </a:pPr>
+            <a:r>
+              <a:rPr lang="en-US" sz="2400" b="1" dirty="0">
+                <a:solidFill>
+                  <a:schemeClr val="tx1"/>
+                </a:solidFill>
+              </a:rPr>
+              <a:t>Advantage for </a:t>
+            </a:r>
+            <a:r>
+              <a:rPr lang="en-US" sz="2400" b="1" i="0" dirty="0">
+                <a:solidFill>
+                  <a:srgbClr val="000000"/>
+                </a:solidFill>
+                <a:effectLst/>
+              </a:rPr>
+              <a:t>Collaborative </a:t>
+            </a:r>
+          </a:p>
+          <a:p>
+            <a:pPr marL="0" indent="0" algn="l">
+              <a:buNone/>
+            </a:pPr>
+            <a:r>
+              <a:rPr lang="en-US" sz="2400" b="1" i="0" dirty="0">
+                <a:solidFill>
+                  <a:srgbClr val="000000"/>
+                </a:solidFill>
+                <a:effectLst/>
+              </a:rPr>
+              <a:t>recommendation </a:t>
+            </a:r>
+          </a:p>
+          <a:p>
+            <a:r>
+              <a:rPr lang="en-US" i="0" dirty="0">
+                <a:solidFill>
+                  <a:srgbClr val="202124"/>
+                </a:solidFill>
+                <a:effectLst/>
+              </a:rPr>
+              <a:t>No domain knowledge necessary</a:t>
+            </a:r>
+          </a:p>
+          <a:p>
+            <a:pPr algn="l"/>
+            <a:r>
+              <a:rPr lang="en-US" b="0" i="0" dirty="0">
+                <a:solidFill>
+                  <a:srgbClr val="000000"/>
+                </a:solidFill>
+                <a:effectLst/>
+              </a:rPr>
+              <a:t>The system matches similar items between users. </a:t>
+            </a:r>
+          </a:p>
+          <a:p>
+            <a:pPr algn="l"/>
+            <a:r>
+              <a:rPr lang="en-US" i="0" dirty="0">
+                <a:solidFill>
+                  <a:srgbClr val="202124"/>
+                </a:solidFill>
+                <a:effectLst/>
+              </a:rPr>
+              <a:t>Great starting point</a:t>
+            </a:r>
+          </a:p>
+          <a:p>
+            <a:pPr marL="0" indent="0" algn="l">
+              <a:buNone/>
+            </a:pPr>
+            <a:r>
+              <a:rPr lang="en-US" sz="2400" b="1" dirty="0">
+                <a:solidFill>
+                  <a:schemeClr val="tx1"/>
+                </a:solidFill>
+              </a:rPr>
+              <a:t>Advantage for Content Based</a:t>
+            </a:r>
+          </a:p>
+          <a:p>
+            <a:pPr algn="l"/>
+            <a:r>
+              <a:rPr lang="en-US" b="0" i="0" dirty="0">
+                <a:solidFill>
+                  <a:srgbClr val="000000"/>
+                </a:solidFill>
+                <a:effectLst/>
+              </a:rPr>
+              <a:t>The system didn’t use the user's data to recommend items. </a:t>
+            </a:r>
+          </a:p>
+          <a:p>
+            <a:pPr algn="l"/>
+            <a:r>
+              <a:rPr lang="en-US" b="0" i="0" dirty="0">
+                <a:solidFill>
+                  <a:srgbClr val="000000"/>
+                </a:solidFill>
+                <a:effectLst/>
+              </a:rPr>
+              <a:t>The system has the ability to recommend new items to the users based on similarity between items specifications.. </a:t>
+            </a:r>
+          </a:p>
+          <a:p>
+            <a:pPr algn="l"/>
+            <a:endParaRPr lang="en-US" b="0" i="0" dirty="0">
+              <a:solidFill>
+                <a:srgbClr val="000000"/>
+              </a:solidFill>
+              <a:effectLst/>
+              <a:latin typeface="ff1"/>
+            </a:endParaRPr>
+          </a:p>
+          <a:p>
+            <a:endParaRPr lang="en-US" i="0" dirty="0">
+              <a:solidFill>
+                <a:srgbClr val="000000"/>
+              </a:solidFill>
+              <a:effectLst/>
+            </a:endParaRPr>
+          </a:p>
+          <a:p>
+            <a:endParaRPr lang="en-US" dirty="0"/>
+          </a:p>
+          <a:p>
+            <a:endParaRPr lang="en-US" sz="2400" dirty="0"/>
+          </a:p>
+          <a:p>
+            <a:pPr marL="0" indent="0">
+              <a:buNone/>
+            </a:pPr>
+            <a:endParaRPr lang="en-US" dirty="0"/>
+          </a:p>
+        </p:txBody>
+      </p:sp>
+      <p:sp>
+        <p:nvSpPr>
+          <p:cNvPr id="4" name="Content Placeholder 3">
+            <a:extLst>
+              <a:ext uri="{FF2B5EF4-FFF2-40B4-BE49-F238E27FC236}">
+                <a16:creationId xmlns:a16="http://schemas.microsoft.com/office/drawing/2014/main" id="{AFA84FA7-9FEF-4B66-BBB6-815F34EEDCF1}"/>
+              </a:ext>
+            </a:extLst>
+          </p:cNvPr>
+          <p:cNvSpPr>
+            <a:spLocks noGrp="1"/>
+          </p:cNvSpPr>
+          <p:nvPr>
+            <p:ph sz="half" idx="2"/>
           </p:nvPr>
         </p:nvSpPr>
         <p:spPr/>
         <p:txBody>
-          <a:bodyPr/>
+          <a:bodyPr>
+            <a:normAutofit fontScale="92500" lnSpcReduction="20000"/>
+          </a:bodyPr>
           <a:lstStyle/>
           <a:p>
+            <a:pPr marL="0" indent="0" algn="l">
+              <a:buNone/>
+            </a:pPr>
             <a:r>
-              <a:rPr lang="en-US" sz="2000" b="0" i="0" dirty="0">
+              <a:rPr lang="en-US" sz="2400" b="1" dirty="0">
                 <a:solidFill>
-                  <a:srgbClr val="292929"/>
+                  <a:schemeClr val="tx1"/>
                 </a:solidFill>
-                <a:effectLst/>
-                <a:cs typeface="Arial" panose="020B0604020202020204" pitchFamily="34" charset="0"/>
               </a:rPr>
-              <a:t>Cold start problem arises </a:t>
+              <a:t>Disadvantage for </a:t>
             </a:r>
             <a:r>
-              <a:rPr lang="en-US" sz="2000" b="0" i="0" dirty="0">
+              <a:rPr lang="en-US" sz="2400" b="1" i="0" dirty="0">
                 <a:solidFill>
                   <a:srgbClr val="000000"/>
                 </a:solidFill>
                 <a:effectLst/>
-                <a:cs typeface="Arial" panose="020B0604020202020204" pitchFamily="34" charset="0"/>
               </a:rPr>
-              <a:t>at the time of registration of new user or adding up new resource or item in the system.</a:t>
+              <a:t>Collaborative </a:t>
             </a:r>
           </a:p>
           <a:p>
+            <a:pPr marL="0" indent="0" algn="l">
+              <a:buNone/>
+            </a:pPr>
             <a:r>
-              <a:rPr lang="en-US" sz="2000" dirty="0">
-                <a:solidFill>
-                  <a:srgbClr val="000000"/>
-                </a:solidFill>
-                <a:cs typeface="Arial" panose="020B0604020202020204" pitchFamily="34" charset="0"/>
-              </a:rPr>
-              <a:t>T</a:t>
-            </a:r>
-            <a:r>
-              <a:rPr lang="en-US" sz="2000" b="0" i="0" dirty="0">
+              <a:rPr lang="en-US" sz="2400" b="1" i="0" dirty="0">
                 <a:solidFill>
                   <a:srgbClr val="000000"/>
                 </a:solidFill>
                 <a:effectLst/>
-                <a:cs typeface="Arial" panose="020B0604020202020204" pitchFamily="34" charset="0"/>
               </a:rPr>
-              <a:t>here would be no information about user’s interest or his rating for any particular item in the system, and recommending appropriate item at that time to the new user is very challenging.</a:t>
+              <a:t>recommendation </a:t>
             </a:r>
           </a:p>
           <a:p>
-            <a:endParaRPr lang="en-US" dirty="0"/>
+            <a:r>
+              <a:rPr lang="en-US" i="0" dirty="0">
+                <a:solidFill>
+                  <a:srgbClr val="202124"/>
+                </a:solidFill>
+                <a:effectLst/>
+              </a:rPr>
+              <a:t>Cannot handle fresh items</a:t>
+            </a:r>
+          </a:p>
+          <a:p>
+            <a:pPr algn="l"/>
+            <a:r>
+              <a:rPr lang="en-US" b="0" i="0" dirty="0">
+                <a:solidFill>
+                  <a:srgbClr val="000000"/>
+                </a:solidFill>
+                <a:effectLst/>
+              </a:rPr>
+              <a:t>The quality of the system depends on the highest rating item list. </a:t>
+            </a:r>
+          </a:p>
+          <a:p>
+            <a:pPr marL="0" indent="0">
+              <a:buNone/>
+            </a:pPr>
+            <a:r>
+              <a:rPr lang="en-US" sz="2400" b="1" dirty="0">
+                <a:solidFill>
+                  <a:schemeClr val="tx1"/>
+                </a:solidFill>
+              </a:rPr>
+              <a:t>Disadvantage for Content Based</a:t>
+            </a:r>
+          </a:p>
+          <a:p>
+            <a:pPr algn="l"/>
+            <a:r>
+              <a:rPr lang="en-US" b="0" i="0" dirty="0">
+                <a:solidFill>
+                  <a:srgbClr val="000000"/>
+                </a:solidFill>
+                <a:effectLst/>
+              </a:rPr>
+              <a:t>We need for analysis and detect all item features to create a recommendation list </a:t>
+            </a:r>
+          </a:p>
+          <a:p>
+            <a:pPr marL="0" indent="0" algn="l">
+              <a:buNone/>
+            </a:pPr>
+            <a:endParaRPr lang="en-US" b="0" i="0" dirty="0">
+              <a:solidFill>
+                <a:srgbClr val="000000"/>
+              </a:solidFill>
+              <a:effectLst/>
+            </a:endParaRPr>
+          </a:p>
+          <a:p>
+            <a:pPr marL="0" indent="0">
+              <a:buNone/>
+            </a:pPr>
+            <a:endParaRPr lang="en-US" sz="1800" dirty="0"/>
           </a:p>
           <a:p>
             <a:endParaRPr lang="en-US" dirty="0"/>
@@ -17051,7 +17010,7 @@
     </p:spTree>
     <p:extLst>
       <p:ext uri="{BB962C8B-B14F-4D97-AF65-F5344CB8AC3E}">
-        <p14:creationId xmlns:p14="http://schemas.microsoft.com/office/powerpoint/2010/main" val="150825481"/>
+        <p14:creationId xmlns:p14="http://schemas.microsoft.com/office/powerpoint/2010/main" val="3580546117"/>
       </p:ext>
     </p:extLst>
   </p:cSld>
@@ -17083,7 +17042,7 @@
           <p:cNvPr id="2" name="Title 1">
             <a:extLst>
               <a:ext uri="{FF2B5EF4-FFF2-40B4-BE49-F238E27FC236}">
-                <a16:creationId xmlns:a16="http://schemas.microsoft.com/office/drawing/2014/main" id="{833FE25B-50B9-4C64-8685-D9D5CD928579}"/>
+                <a16:creationId xmlns:a16="http://schemas.microsoft.com/office/drawing/2014/main" id="{7D57D27B-536E-4E71-905E-E858AE9CF2DC}"/>
               </a:ext>
             </a:extLst>
           </p:cNvPr>
@@ -17096,28 +17055,27 @@
         </p:nvSpPr>
         <p:spPr>
           <a:xfrm>
-            <a:off x="581192" y="877824"/>
-            <a:ext cx="11029616" cy="545524"/>
+            <a:off x="581194" y="854262"/>
+            <a:ext cx="11029616" cy="620710"/>
           </a:xfrm>
         </p:spPr>
         <p:txBody>
           <a:bodyPr/>
           <a:lstStyle/>
           <a:p>
-            <a:pPr algn="ctr"/>
             <a:r>
               <a:rPr lang="en-US" dirty="0"/>
-              <a:t>Types of cold start problem</a:t>
+              <a:t>Advantage and disadvantage of recommendation system</a:t>
             </a:r>
           </a:p>
         </p:txBody>
       </p:sp>
       <p:sp>
         <p:nvSpPr>
-          <p:cNvPr id="3" name="Content Placeholder 2">
+          <p:cNvPr id="3" name="Text Placeholder 2">
             <a:extLst>
               <a:ext uri="{FF2B5EF4-FFF2-40B4-BE49-F238E27FC236}">
-                <a16:creationId xmlns:a16="http://schemas.microsoft.com/office/drawing/2014/main" id="{A409F203-CDB1-48CD-B3DF-887636D0F60E}"/>
+                <a16:creationId xmlns:a16="http://schemas.microsoft.com/office/drawing/2014/main" id="{A50EFBF8-FDEB-42D9-8F25-865E24F481A9}"/>
               </a:ext>
             </a:extLst>
           </p:cNvPr>
@@ -17125,7 +17083,7 @@
             <a:spLocks noGrp="1"/>
           </p:cNvSpPr>
           <p:nvPr>
-            <p:ph idx="1"/>
+            <p:ph type="body" idx="1"/>
           </p:nvPr>
         </p:nvSpPr>
         <p:spPr/>
@@ -17134,57 +17092,106 @@
           <a:lstStyle/>
           <a:p>
             <a:r>
-              <a:rPr lang="en-US" sz="2400" i="0" dirty="0">
+              <a:rPr lang="en-US" dirty="0"/>
+              <a:t>Advantage of Popularity based RS</a:t>
+            </a:r>
+          </a:p>
+        </p:txBody>
+      </p:sp>
+      <p:sp>
+        <p:nvSpPr>
+          <p:cNvPr id="4" name="Content Placeholder 3">
+            <a:extLst>
+              <a:ext uri="{FF2B5EF4-FFF2-40B4-BE49-F238E27FC236}">
+                <a16:creationId xmlns:a16="http://schemas.microsoft.com/office/drawing/2014/main" id="{66E045BA-793C-4A60-9F48-6F6A348B8D92}"/>
+              </a:ext>
+            </a:extLst>
+          </p:cNvPr>
+          <p:cNvSpPr>
+            <a:spLocks noGrp="1"/>
+          </p:cNvSpPr>
+          <p:nvPr>
+            <p:ph sz="half" idx="2"/>
+          </p:nvPr>
+        </p:nvSpPr>
+        <p:spPr/>
+        <p:txBody>
+          <a:bodyPr/>
+          <a:lstStyle/>
+          <a:p>
+            <a:r>
+              <a:rPr lang="en-US" sz="2000" b="0" i="0" dirty="0">
                 <a:solidFill>
-                  <a:srgbClr val="292929"/>
+                  <a:srgbClr val="000000"/>
                 </a:solidFill>
                 <a:effectLst/>
-                <a:cs typeface="Arial" panose="020B0604020202020204" pitchFamily="34" charset="0"/>
               </a:rPr>
-              <a:t>New user </a:t>
+              <a:t>It is not based on user-item ratings, it gives recommendation before user rated any item.</a:t>
             </a:r>
+          </a:p>
+          <a:p>
+            <a:endParaRPr lang="en-US" dirty="0"/>
+          </a:p>
+        </p:txBody>
+      </p:sp>
+      <p:sp>
+        <p:nvSpPr>
+          <p:cNvPr id="5" name="Text Placeholder 4">
+            <a:extLst>
+              <a:ext uri="{FF2B5EF4-FFF2-40B4-BE49-F238E27FC236}">
+                <a16:creationId xmlns:a16="http://schemas.microsoft.com/office/drawing/2014/main" id="{352FC4ED-AC6A-4593-8B5B-F08B238C1657}"/>
+              </a:ext>
+            </a:extLst>
+          </p:cNvPr>
+          <p:cNvSpPr>
+            <a:spLocks noGrp="1"/>
+          </p:cNvSpPr>
+          <p:nvPr>
+            <p:ph type="body" sz="quarter" idx="3"/>
+          </p:nvPr>
+        </p:nvSpPr>
+        <p:spPr/>
+        <p:txBody>
+          <a:bodyPr/>
+          <a:lstStyle/>
+          <a:p>
             <a:r>
-              <a:rPr lang="en-US" sz="2400" b="0" i="0" dirty="0">
+              <a:rPr lang="en-US" dirty="0"/>
+              <a:t>Disadvantage of Popularity based RS</a:t>
+            </a:r>
+          </a:p>
+        </p:txBody>
+      </p:sp>
+      <p:sp>
+        <p:nvSpPr>
+          <p:cNvPr id="6" name="Content Placeholder 5">
+            <a:extLst>
+              <a:ext uri="{FF2B5EF4-FFF2-40B4-BE49-F238E27FC236}">
+                <a16:creationId xmlns:a16="http://schemas.microsoft.com/office/drawing/2014/main" id="{25138140-0844-494B-9874-7AA7068EAA08}"/>
+              </a:ext>
+            </a:extLst>
+          </p:cNvPr>
+          <p:cNvSpPr>
+            <a:spLocks noGrp="1"/>
+          </p:cNvSpPr>
+          <p:nvPr>
+            <p:ph sz="quarter" idx="4"/>
+          </p:nvPr>
+        </p:nvSpPr>
+        <p:spPr/>
+        <p:txBody>
+          <a:bodyPr/>
+          <a:lstStyle/>
+          <a:p>
+            <a:r>
+              <a:rPr lang="en-US" sz="2000" b="0" i="0" dirty="0">
                 <a:solidFill>
-                  <a:srgbClr val="292929"/>
+                  <a:srgbClr val="000000"/>
                 </a:solidFill>
                 <a:effectLst/>
-                <a:cs typeface="Arial" panose="020B0604020202020204" pitchFamily="34" charset="0"/>
               </a:rPr>
-              <a:t>(what to recommend?)</a:t>
+              <a:t>Gathering of popularity data leads to privacy issues. </a:t>
             </a:r>
-          </a:p>
-          <a:p>
-            <a:r>
-              <a:rPr lang="en-US" sz="2400" i="0" dirty="0">
-                <a:solidFill>
-                  <a:srgbClr val="292929"/>
-                </a:solidFill>
-                <a:effectLst/>
-                <a:cs typeface="Arial" panose="020B0604020202020204" pitchFamily="34" charset="0"/>
-              </a:rPr>
-              <a:t>New items </a:t>
-            </a:r>
-            <a:r>
-              <a:rPr lang="en-US" sz="2400" b="0" i="0" dirty="0">
-                <a:solidFill>
-                  <a:srgbClr val="292929"/>
-                </a:solidFill>
-                <a:effectLst/>
-                <a:cs typeface="Arial" panose="020B0604020202020204" pitchFamily="34" charset="0"/>
-              </a:rPr>
-              <a:t>(Whom to recommend?)</a:t>
-            </a:r>
-          </a:p>
-          <a:p>
-            <a:endParaRPr lang="en-US" sz="2400" b="0" i="0" dirty="0">
-              <a:solidFill>
-                <a:srgbClr val="292929"/>
-              </a:solidFill>
-              <a:effectLst/>
-              <a:latin typeface="Arial" panose="020B0604020202020204" pitchFamily="34" charset="0"/>
-              <a:cs typeface="Arial" panose="020B0604020202020204" pitchFamily="34" charset="0"/>
-            </a:endParaRPr>
           </a:p>
           <a:p>
             <a:endParaRPr lang="en-US" dirty="0"/>
@@ -17194,7 +17201,7 @@
     </p:spTree>
     <p:extLst>
       <p:ext uri="{BB962C8B-B14F-4D97-AF65-F5344CB8AC3E}">
-        <p14:creationId xmlns:p14="http://schemas.microsoft.com/office/powerpoint/2010/main" val="1653625500"/>
+        <p14:creationId xmlns:p14="http://schemas.microsoft.com/office/powerpoint/2010/main" val="2485530932"/>
       </p:ext>
     </p:extLst>
   </p:cSld>
@@ -17474,6 +17481,24 @@
 </file>
 
 <file path=customXml/item1.xml><?xml version="1.0" encoding="utf-8"?>
+<?mso-contentType ?>
+<FormTemplates xmlns="http://schemas.microsoft.com/sharepoint/v3/contenttype/forms">
+  <Display>DocumentLibraryForm</Display>
+  <Edit>DocumentLibraryForm</Edit>
+  <New>DocumentLibraryForm</New>
+</FormTemplates>
+</file>
+
+<file path=customXml/item2.xml><?xml version="1.0" encoding="utf-8"?>
+<p:properties xmlns:p="http://schemas.microsoft.com/office/2006/metadata/properties" xmlns:xsi="http://www.w3.org/2001/XMLSchema-instance" xmlns:pc="http://schemas.microsoft.com/office/infopath/2007/PartnerControls">
+  <documentManagement>
+    <Status xmlns="71af3243-3dd4-4a8d-8c0d-dd76da1f02a5">Not started</Status>
+    <MediaServiceKeyPoints xmlns="71af3243-3dd4-4a8d-8c0d-dd76da1f02a5" xsi:nil="true"/>
+  </documentManagement>
+</p:properties>
+</file>
+
+<file path=customXml/item3.xml><?xml version="1.0" encoding="utf-8"?>
 <ct:contentTypeSchema xmlns:ct="http://schemas.microsoft.com/office/2006/metadata/contentType" xmlns:ma="http://schemas.microsoft.com/office/2006/metadata/properties/metaAttributes" ct:_="" ma:_="" ma:contentTypeName="Document" ma:contentTypeID="0x01010079F111ED35F8CC479449609E8A0923A6" ma:contentTypeVersion="12" ma:contentTypeDescription="Create a new document." ma:contentTypeScope="" ma:versionID="a410dd7f93c95333ffa1b60ed6adedd1">
   <xsd:schema xmlns:xsd="http://www.w3.org/2001/XMLSchema" xmlns:xs="http://www.w3.org/2001/XMLSchema" xmlns:p="http://schemas.microsoft.com/office/2006/metadata/properties" xmlns:ns2="71af3243-3dd4-4a8d-8c0d-dd76da1f02a5" xmlns:ns3="16c05727-aa75-4e4a-9b5f-8a80a1165891" targetNamespace="http://schemas.microsoft.com/office/2006/metadata/properties" ma:root="true" ma:fieldsID="a936d9baba76aa3866493feff160faab" ns2:_="" ns3:_="">
     <xsd:import namespace="71af3243-3dd4-4a8d-8c0d-dd76da1f02a5"/>
@@ -17694,25 +17719,25 @@
 </ct:contentTypeSchema>
 </file>
 
-<file path=customXml/item2.xml><?xml version="1.0" encoding="utf-8"?>
-<p:properties xmlns:p="http://schemas.microsoft.com/office/2006/metadata/properties" xmlns:xsi="http://www.w3.org/2001/XMLSchema-instance" xmlns:pc="http://schemas.microsoft.com/office/infopath/2007/PartnerControls">
-  <documentManagement>
-    <Status xmlns="71af3243-3dd4-4a8d-8c0d-dd76da1f02a5">Not started</Status>
-    <MediaServiceKeyPoints xmlns="71af3243-3dd4-4a8d-8c0d-dd76da1f02a5" xsi:nil="true"/>
-  </documentManagement>
-</p:properties>
+<file path=customXml/itemProps1.xml><?xml version="1.0" encoding="utf-8"?>
+<ds:datastoreItem xmlns:ds="http://schemas.openxmlformats.org/officeDocument/2006/customXml" ds:itemID="{CDB58277-F8DF-46FF-84EC-EF41B835E69F}">
+  <ds:schemaRefs>
+    <ds:schemaRef ds:uri="http://schemas.microsoft.com/sharepoint/v3/contenttype/forms"/>
+  </ds:schemaRefs>
+</ds:datastoreItem>
 </file>
 
-<file path=customXml/item3.xml><?xml version="1.0" encoding="utf-8"?>
-<?mso-contentType ?>
-<FormTemplates xmlns="http://schemas.microsoft.com/sharepoint/v3/contenttype/forms">
-  <Display>DocumentLibraryForm</Display>
-  <Edit>DocumentLibraryForm</Edit>
-  <New>DocumentLibraryForm</New>
-</FormTemplates>
+<file path=customXml/itemProps2.xml><?xml version="1.0" encoding="utf-8"?>
+<ds:datastoreItem xmlns:ds="http://schemas.openxmlformats.org/officeDocument/2006/customXml" ds:itemID="{137651BA-F45C-4845-9AB3-E0A65B39F5E1}">
+  <ds:schemaRefs>
+    <ds:schemaRef ds:uri="http://schemas.microsoft.com/office/2006/metadata/properties"/>
+    <ds:schemaRef ds:uri="http://schemas.microsoft.com/office/infopath/2007/PartnerControls"/>
+    <ds:schemaRef ds:uri="71af3243-3dd4-4a8d-8c0d-dd76da1f02a5"/>
+  </ds:schemaRefs>
+</ds:datastoreItem>
 </file>
 
-<file path=customXml/itemProps1.xml><?xml version="1.0" encoding="utf-8"?>
+<file path=customXml/itemProps3.xml><?xml version="1.0" encoding="utf-8"?>
 <ds:datastoreItem xmlns:ds="http://schemas.openxmlformats.org/officeDocument/2006/customXml" ds:itemID="{2D276E62-80A3-44DD-9BCC-97ED2B99B57F}">
   <ds:schemaRefs>
     <ds:schemaRef ds:uri="http://schemas.microsoft.com/office/2006/metadata/contentType"/>
@@ -17729,22 +17754,4 @@
     <ds:schemaRef ds:uri="http://schemas.microsoft.com/internal/obd"/>
   </ds:schemaRefs>
 </ds:datastoreItem>
-</file>
-
-<file path=customXml/itemProps2.xml><?xml version="1.0" encoding="utf-8"?>
-<ds:datastoreItem xmlns:ds="http://schemas.openxmlformats.org/officeDocument/2006/customXml" ds:itemID="{137651BA-F45C-4845-9AB3-E0A65B39F5E1}">
-  <ds:schemaRefs>
-    <ds:schemaRef ds:uri="http://schemas.microsoft.com/office/2006/metadata/properties"/>
-    <ds:schemaRef ds:uri="http://schemas.microsoft.com/office/infopath/2007/PartnerControls"/>
-    <ds:schemaRef ds:uri="71af3243-3dd4-4a8d-8c0d-dd76da1f02a5"/>
-  </ds:schemaRefs>
-</ds:datastoreItem>
-</file>
-
-<file path=customXml/itemProps3.xml><?xml version="1.0" encoding="utf-8"?>
-<ds:datastoreItem xmlns:ds="http://schemas.openxmlformats.org/officeDocument/2006/customXml" ds:itemID="{CDB58277-F8DF-46FF-84EC-EF41B835E69F}">
-  <ds:schemaRefs>
-    <ds:schemaRef ds:uri="http://schemas.microsoft.com/sharepoint/v3/contenttype/forms"/>
-  </ds:schemaRefs>
-</ds:datastoreItem>
 </file>